--- a/IMS Presentation.pptx
+++ b/IMS Presentation.pptx
@@ -14,8 +14,8 @@
     <p:sldId id="265" r:id="rId8"/>
     <p:sldId id="263" r:id="rId9"/>
     <p:sldId id="264" r:id="rId10"/>
-    <p:sldId id="262" r:id="rId11"/>
-    <p:sldId id="261" r:id="rId12"/>
+    <p:sldId id="261" r:id="rId11"/>
+    <p:sldId id="262" r:id="rId12"/>
     <p:sldId id="267" r:id="rId13"/>
   </p:sldIdLst>
   <p:sldSz cx="12192000" cy="6858000"/>
@@ -115,6 +115,11 @@
       </a:defRPr>
     </a:lvl9pPr>
   </p:defaultTextStyle>
+  <p:extLst>
+    <p:ext uri="{EFAFB233-063F-42B5-8137-9DF3F51BA10A}">
+      <p15:sldGuideLst xmlns:p15="http://schemas.microsoft.com/office/powerpoint/2012/main"/>
+    </p:ext>
+  </p:extLst>
 </p:presentation>
 </file>
 
@@ -304,7 +309,7 @@
           <a:p>
             <a:fld id="{3AEC4F27-4D12-A24A-82BC-2B0E43616067}" type="datetimeFigureOut">
               <a:rPr lang="en-US" smtClean="0"/>
-              <a:t>6/9/22</a:t>
+              <a:t>6/10/22</a:t>
             </a:fld>
             <a:endParaRPr lang="en-US"/>
           </a:p>
@@ -579,7 +584,7 @@
           <a:p>
             <a:fld id="{3AEC4F27-4D12-A24A-82BC-2B0E43616067}" type="datetimeFigureOut">
               <a:rPr lang="en-US" smtClean="0"/>
-              <a:t>6/9/22</a:t>
+              <a:t>6/10/22</a:t>
             </a:fld>
             <a:endParaRPr lang="en-US"/>
           </a:p>
@@ -773,7 +778,7 @@
           <a:p>
             <a:fld id="{3AEC4F27-4D12-A24A-82BC-2B0E43616067}" type="datetimeFigureOut">
               <a:rPr lang="en-US" smtClean="0"/>
-              <a:t>6/9/22</a:t>
+              <a:t>6/10/22</a:t>
             </a:fld>
             <a:endParaRPr lang="en-US"/>
           </a:p>
@@ -1046,7 +1051,7 @@
           <a:p>
             <a:fld id="{3AEC4F27-4D12-A24A-82BC-2B0E43616067}" type="datetimeFigureOut">
               <a:rPr lang="en-US" smtClean="0"/>
-              <a:t>6/9/22</a:t>
+              <a:t>6/10/22</a:t>
             </a:fld>
             <a:endParaRPr lang="en-US"/>
           </a:p>
@@ -1387,7 +1392,7 @@
           <a:p>
             <a:fld id="{3AEC4F27-4D12-A24A-82BC-2B0E43616067}" type="datetimeFigureOut">
               <a:rPr lang="en-US" smtClean="0"/>
-              <a:t>6/9/22</a:t>
+              <a:t>6/10/22</a:t>
             </a:fld>
             <a:endParaRPr lang="en-US"/>
           </a:p>
@@ -2010,7 +2015,7 @@
           <a:p>
             <a:fld id="{3AEC4F27-4D12-A24A-82BC-2B0E43616067}" type="datetimeFigureOut">
               <a:rPr lang="en-US" smtClean="0"/>
-              <a:t>6/9/22</a:t>
+              <a:t>6/10/22</a:t>
             </a:fld>
             <a:endParaRPr lang="en-US"/>
           </a:p>
@@ -2870,7 +2875,7 @@
           <a:p>
             <a:fld id="{3AEC4F27-4D12-A24A-82BC-2B0E43616067}" type="datetimeFigureOut">
               <a:rPr lang="en-US" smtClean="0"/>
-              <a:t>6/9/22</a:t>
+              <a:t>6/10/22</a:t>
             </a:fld>
             <a:endParaRPr lang="en-US"/>
           </a:p>
@@ -3040,7 +3045,7 @@
           <a:p>
             <a:fld id="{3AEC4F27-4D12-A24A-82BC-2B0E43616067}" type="datetimeFigureOut">
               <a:rPr lang="en-US" smtClean="0"/>
-              <a:t>6/9/22</a:t>
+              <a:t>6/10/22</a:t>
             </a:fld>
             <a:endParaRPr lang="en-US"/>
           </a:p>
@@ -3220,7 +3225,7 @@
           <a:p>
             <a:fld id="{3AEC4F27-4D12-A24A-82BC-2B0E43616067}" type="datetimeFigureOut">
               <a:rPr lang="en-US" smtClean="0"/>
-              <a:t>6/9/22</a:t>
+              <a:t>6/10/22</a:t>
             </a:fld>
             <a:endParaRPr lang="en-US"/>
           </a:p>
@@ -3390,7 +3395,7 @@
           <a:p>
             <a:fld id="{3AEC4F27-4D12-A24A-82BC-2B0E43616067}" type="datetimeFigureOut">
               <a:rPr lang="en-US" smtClean="0"/>
-              <a:t>6/9/22</a:t>
+              <a:t>6/10/22</a:t>
             </a:fld>
             <a:endParaRPr lang="en-US"/>
           </a:p>
@@ -3637,7 +3642,7 @@
           <a:p>
             <a:fld id="{3AEC4F27-4D12-A24A-82BC-2B0E43616067}" type="datetimeFigureOut">
               <a:rPr lang="en-US" smtClean="0"/>
-              <a:t>6/9/22</a:t>
+              <a:t>6/10/22</a:t>
             </a:fld>
             <a:endParaRPr lang="en-US"/>
           </a:p>
@@ -3929,7 +3934,7 @@
           <a:p>
             <a:fld id="{3AEC4F27-4D12-A24A-82BC-2B0E43616067}" type="datetimeFigureOut">
               <a:rPr lang="en-US" smtClean="0"/>
-              <a:t>6/9/22</a:t>
+              <a:t>6/10/22</a:t>
             </a:fld>
             <a:endParaRPr lang="en-US"/>
           </a:p>
@@ -4373,7 +4378,7 @@
           <a:p>
             <a:fld id="{3AEC4F27-4D12-A24A-82BC-2B0E43616067}" type="datetimeFigureOut">
               <a:rPr lang="en-US" smtClean="0"/>
-              <a:t>6/9/22</a:t>
+              <a:t>6/10/22</a:t>
             </a:fld>
             <a:endParaRPr lang="en-US"/>
           </a:p>
@@ -4491,7 +4496,7 @@
           <a:p>
             <a:fld id="{3AEC4F27-4D12-A24A-82BC-2B0E43616067}" type="datetimeFigureOut">
               <a:rPr lang="en-US" smtClean="0"/>
-              <a:t>6/9/22</a:t>
+              <a:t>6/10/22</a:t>
             </a:fld>
             <a:endParaRPr lang="en-US"/>
           </a:p>
@@ -4586,7 +4591,7 @@
           <a:p>
             <a:fld id="{3AEC4F27-4D12-A24A-82BC-2B0E43616067}" type="datetimeFigureOut">
               <a:rPr lang="en-US" smtClean="0"/>
-              <a:t>6/9/22</a:t>
+              <a:t>6/10/22</a:t>
             </a:fld>
             <a:endParaRPr lang="en-US"/>
           </a:p>
@@ -4865,7 +4870,7 @@
           <a:p>
             <a:fld id="{3AEC4F27-4D12-A24A-82BC-2B0E43616067}" type="datetimeFigureOut">
               <a:rPr lang="en-US" smtClean="0"/>
-              <a:t>6/9/22</a:t>
+              <a:t>6/10/22</a:t>
             </a:fld>
             <a:endParaRPr lang="en-US"/>
           </a:p>
@@ -5140,7 +5145,7 @@
           <a:p>
             <a:fld id="{3AEC4F27-4D12-A24A-82BC-2B0E43616067}" type="datetimeFigureOut">
               <a:rPr lang="en-US" smtClean="0"/>
-              <a:t>6/9/22</a:t>
+              <a:t>6/10/22</a:t>
             </a:fld>
             <a:endParaRPr lang="en-US"/>
           </a:p>
@@ -5569,7 +5574,7 @@
           <a:p>
             <a:fld id="{3AEC4F27-4D12-A24A-82BC-2B0E43616067}" type="datetimeFigureOut">
               <a:rPr lang="en-US" smtClean="0"/>
-              <a:t>6/9/22</a:t>
+              <a:t>6/10/22</a:t>
             </a:fld>
             <a:endParaRPr lang="en-US"/>
           </a:p>
@@ -6188,7 +6193,7 @@
           <p:cNvPr id="2" name="Title 1">
             <a:extLst>
               <a:ext uri="{FF2B5EF4-FFF2-40B4-BE49-F238E27FC236}">
-                <a16:creationId xmlns:a16="http://schemas.microsoft.com/office/drawing/2014/main" id="{3D9B189D-A77B-1A49-8C62-4EB37E30B251}"/>
+                <a16:creationId xmlns:a16="http://schemas.microsoft.com/office/drawing/2014/main" id="{B310DD9B-99A9-EC46-8941-EEB96556B3CF}"/>
               </a:ext>
             </a:extLst>
           </p:cNvPr>
@@ -6204,9 +6209,10 @@
           <a:bodyPr/>
           <a:lstStyle/>
           <a:p>
+            <a:pPr algn="ctr"/>
             <a:r>
               <a:rPr lang="en-US" dirty="0"/>
-              <a:t>Sprint reflection </a:t>
+              <a:t>Testing </a:t>
             </a:r>
           </a:p>
         </p:txBody>
@@ -6216,7 +6222,7 @@
           <p:cNvPr id="3" name="Content Placeholder 2">
             <a:extLst>
               <a:ext uri="{FF2B5EF4-FFF2-40B4-BE49-F238E27FC236}">
-                <a16:creationId xmlns:a16="http://schemas.microsoft.com/office/drawing/2014/main" id="{B65DF1A9-708D-0741-AB2B-D0EEF66CBC98}"/>
+                <a16:creationId xmlns:a16="http://schemas.microsoft.com/office/drawing/2014/main" id="{B50BD224-90FA-F949-B203-E2A3633B24CF}"/>
               </a:ext>
             </a:extLst>
           </p:cNvPr>
@@ -6229,80 +6235,36 @@
         </p:nvSpPr>
         <p:spPr>
           <a:xfrm>
-            <a:off x="289560" y="2186257"/>
-            <a:ext cx="10515600" cy="4351338"/>
+            <a:off x="1103312" y="1853248"/>
+            <a:ext cx="8946541" cy="4195481"/>
           </a:xfrm>
         </p:spPr>
         <p:txBody>
-          <a:bodyPr>
-            <a:normAutofit/>
-          </a:bodyPr>
+          <a:bodyPr/>
           <a:lstStyle/>
           <a:p>
             <a:r>
               <a:rPr lang="en-US" dirty="0"/>
-              <a:t>I was able to complete:</a:t>
+              <a:t>I was able to achieve a test coverage of 79%</a:t>
             </a:r>
           </a:p>
           <a:p>
             <a:r>
               <a:rPr lang="en-US" dirty="0"/>
-              <a:t>CRUD for all tables</a:t>
-            </a:r>
-          </a:p>
-          <a:p>
-            <a:r>
-              <a:rPr lang="en-US" dirty="0"/>
-              <a:t>Input via CLI </a:t>
-            </a:r>
-          </a:p>
-          <a:p>
-            <a:r>
-              <a:rPr lang="en-US" dirty="0"/>
-              <a:t>Testing </a:t>
-            </a:r>
-          </a:p>
-          <a:p>
-            <a:r>
-              <a:rPr lang="en-US" dirty="0"/>
-              <a:t>ERD </a:t>
+              <a:t>The failed tests varied for the CRUD functions in each table class </a:t>
             </a:r>
           </a:p>
           <a:p>
             <a:endParaRPr lang="en-US" dirty="0"/>
-          </a:p>
-          <a:p>
-            <a:r>
-              <a:rPr lang="en-US" dirty="0"/>
-              <a:t>Unable to achieve thus far:</a:t>
-            </a:r>
-          </a:p>
-          <a:p>
-            <a:r>
-              <a:rPr lang="en-US" dirty="0"/>
-              <a:t>Coverage above 80% for tests</a:t>
-            </a:r>
-          </a:p>
-          <a:p>
-            <a:r>
-              <a:rPr lang="en-US" dirty="0"/>
-              <a:t>UML</a:t>
-            </a:r>
-          </a:p>
-          <a:p>
-            <a:r>
-              <a:rPr lang="en-US" dirty="0"/>
-              <a:t>Complete project (2 days remaining)</a:t>
-            </a:r>
           </a:p>
         </p:txBody>
       </p:sp>
       <p:pic>
         <p:nvPicPr>
-          <p:cNvPr id="5" name="Picture 4">
+          <p:cNvPr id="6" name="Picture 5">
             <a:extLst>
               <a:ext uri="{FF2B5EF4-FFF2-40B4-BE49-F238E27FC236}">
-                <a16:creationId xmlns:a16="http://schemas.microsoft.com/office/drawing/2014/main" id="{2B7ADF47-DF11-7041-98DB-35326283A05B}"/>
+                <a16:creationId xmlns:a16="http://schemas.microsoft.com/office/drawing/2014/main" id="{0ED8A154-0793-4942-A847-03422AA0A716}"/>
               </a:ext>
             </a:extLst>
           </p:cNvPr>
@@ -6319,8 +6281,8 @@
         </p:blipFill>
         <p:spPr>
           <a:xfrm>
-            <a:off x="4562785" y="1313449"/>
-            <a:ext cx="7135230" cy="3759018"/>
+            <a:off x="1103312" y="2932793"/>
+            <a:ext cx="9766300" cy="3670300"/>
           </a:xfrm>
           <a:prstGeom prst="rect">
             <a:avLst/>
@@ -6330,7 +6292,7 @@
     </p:spTree>
     <p:extLst>
       <p:ext uri="{BB962C8B-B14F-4D97-AF65-F5344CB8AC3E}">
-        <p14:creationId xmlns:p14="http://schemas.microsoft.com/office/powerpoint/2010/main" val="745061566"/>
+        <p14:creationId xmlns:p14="http://schemas.microsoft.com/office/powerpoint/2010/main" val="2344972529"/>
       </p:ext>
     </p:extLst>
   </p:cSld>
@@ -6362,7 +6324,7 @@
           <p:cNvPr id="2" name="Title 1">
             <a:extLst>
               <a:ext uri="{FF2B5EF4-FFF2-40B4-BE49-F238E27FC236}">
-                <a16:creationId xmlns:a16="http://schemas.microsoft.com/office/drawing/2014/main" id="{B310DD9B-99A9-EC46-8941-EEB96556B3CF}"/>
+                <a16:creationId xmlns:a16="http://schemas.microsoft.com/office/drawing/2014/main" id="{3D9B189D-A77B-1A49-8C62-4EB37E30B251}"/>
               </a:ext>
             </a:extLst>
           </p:cNvPr>
@@ -6381,7 +6343,7 @@
             <a:pPr algn="ctr"/>
             <a:r>
               <a:rPr lang="en-US" dirty="0"/>
-              <a:t>Testing </a:t>
+              <a:t>Project reflection </a:t>
             </a:r>
           </a:p>
         </p:txBody>
@@ -6391,7 +6353,7 @@
           <p:cNvPr id="3" name="Content Placeholder 2">
             <a:extLst>
               <a:ext uri="{FF2B5EF4-FFF2-40B4-BE49-F238E27FC236}">
-                <a16:creationId xmlns:a16="http://schemas.microsoft.com/office/drawing/2014/main" id="{B50BD224-90FA-F949-B203-E2A3633B24CF}"/>
+                <a16:creationId xmlns:a16="http://schemas.microsoft.com/office/drawing/2014/main" id="{B65DF1A9-708D-0741-AB2B-D0EEF66CBC98}"/>
               </a:ext>
             </a:extLst>
           </p:cNvPr>
@@ -6402,24 +6364,67 @@
             <p:ph idx="1"/>
           </p:nvPr>
         </p:nvSpPr>
-        <p:spPr/>
-        <p:txBody>
-          <a:bodyPr/>
+        <p:spPr>
+          <a:xfrm>
+            <a:off x="289560" y="2186257"/>
+            <a:ext cx="10515600" cy="4351338"/>
+          </a:xfrm>
+        </p:spPr>
+        <p:txBody>
+          <a:bodyPr>
+            <a:normAutofit/>
+          </a:bodyPr>
           <a:lstStyle/>
           <a:p>
             <a:r>
               <a:rPr lang="en-US" dirty="0"/>
-              <a:t>I was able to achieve a test coverage of 79%</a:t>
+              <a:t>I was able to complete:</a:t>
             </a:r>
           </a:p>
           <a:p>
             <a:r>
               <a:rPr lang="en-US" dirty="0"/>
-              <a:t>The failed tests varied for the CRUD functions in each table class </a:t>
+              <a:t>CRUD for all tables</a:t>
+            </a:r>
+          </a:p>
+          <a:p>
+            <a:r>
+              <a:rPr lang="en-US" dirty="0"/>
+              <a:t>Input via CLI </a:t>
+            </a:r>
+          </a:p>
+          <a:p>
+            <a:r>
+              <a:rPr lang="en-US" dirty="0"/>
+              <a:t>Testing </a:t>
+            </a:r>
+          </a:p>
+          <a:p>
+            <a:r>
+              <a:rPr lang="en-US" dirty="0"/>
+              <a:t>ERD </a:t>
             </a:r>
           </a:p>
           <a:p>
             <a:endParaRPr lang="en-US" dirty="0"/>
+          </a:p>
+          <a:p>
+            <a:r>
+              <a:rPr lang="en-US" dirty="0"/>
+              <a:t>Unable to achieve thus far:</a:t>
+            </a:r>
+          </a:p>
+          <a:p>
+            <a:r>
+              <a:rPr lang="en-US" dirty="0"/>
+              <a:t>Coverage above 80% for tests</a:t>
+            </a:r>
+          </a:p>
+          <a:p>
+            <a:r>
+              <a:rPr lang="en-US" dirty="0"/>
+              <a:t>UML</a:t>
+            </a:r>
           </a:p>
         </p:txBody>
       </p:sp>
@@ -6428,7 +6433,7 @@
           <p:cNvPr id="5" name="Picture 4">
             <a:extLst>
               <a:ext uri="{FF2B5EF4-FFF2-40B4-BE49-F238E27FC236}">
-                <a16:creationId xmlns:a16="http://schemas.microsoft.com/office/drawing/2014/main" id="{185FB4CD-1B64-F944-8413-C00379CA4747}"/>
+                <a16:creationId xmlns:a16="http://schemas.microsoft.com/office/drawing/2014/main" id="{2B7ADF47-DF11-7041-98DB-35326283A05B}"/>
               </a:ext>
             </a:extLst>
           </p:cNvPr>
@@ -6445,8 +6450,8 @@
         </p:blipFill>
         <p:spPr>
           <a:xfrm>
-            <a:off x="838200" y="3122148"/>
-            <a:ext cx="10375900" cy="3314700"/>
+            <a:off x="4715185" y="2186257"/>
+            <a:ext cx="7135230" cy="3759018"/>
           </a:xfrm>
           <a:prstGeom prst="rect">
             <a:avLst/>
@@ -6456,7 +6461,7 @@
     </p:spTree>
     <p:extLst>
       <p:ext uri="{BB962C8B-B14F-4D97-AF65-F5344CB8AC3E}">
-        <p14:creationId xmlns:p14="http://schemas.microsoft.com/office/powerpoint/2010/main" val="2344972529"/>
+        <p14:creationId xmlns:p14="http://schemas.microsoft.com/office/powerpoint/2010/main" val="745061566"/>
       </p:ext>
     </p:extLst>
   </p:cSld>
@@ -6643,7 +6648,7 @@
         <p:spPr/>
         <p:txBody>
           <a:bodyPr>
-            <a:normAutofit fontScale="85000" lnSpcReduction="10000"/>
+            <a:normAutofit fontScale="85000" lnSpcReduction="20000"/>
           </a:bodyPr>
           <a:lstStyle/>
           <a:p>
@@ -6682,7 +6687,7 @@
           <a:p>
             <a:r>
               <a:rPr lang="en-US" dirty="0"/>
-              <a:t>User interaction through CLI</a:t>
+              <a:t>User interaction through Command Line Interface (CLI)</a:t>
             </a:r>
           </a:p>
           <a:p>
@@ -6696,7 +6701,7 @@
             </a:r>
             <a:r>
               <a:rPr lang="en-US" dirty="0"/>
-              <a:t>)</a:t>
+              <a:t>) using Main/Dev/Feature model</a:t>
             </a:r>
           </a:p>
           <a:p>
@@ -6729,12 +6734,8 @@
           <a:p>
             <a:pPr lvl="1"/>
             <a:r>
-              <a:rPr lang="en-US" dirty="0" err="1"/>
-              <a:t>MoSCoW</a:t>
-            </a:r>
-            <a:r>
               <a:rPr lang="en-US" dirty="0"/>
-              <a:t> </a:t>
+              <a:t>MoSCoW document </a:t>
             </a:r>
           </a:p>
           <a:p>
@@ -6793,9 +6794,10 @@
           <a:bodyPr/>
           <a:lstStyle/>
           <a:p>
+            <a:pPr algn="ctr"/>
             <a:r>
               <a:rPr lang="en-US" dirty="0"/>
-              <a:t>Consultant story</a:t>
+              <a:t>Technologies used</a:t>
             </a:r>
           </a:p>
         </p:txBody>
@@ -6828,12 +6830,16 @@
           </a:p>
           <a:p>
             <a:r>
+              <a:rPr lang="en-GB" dirty="0"/>
+              <a:t>Git/</a:t>
+            </a:r>
+            <a:r>
               <a:rPr lang="en-GB" dirty="0" err="1"/>
               <a:t>Github</a:t>
             </a:r>
             <a:r>
               <a:rPr lang="en-GB" dirty="0"/>
-              <a:t> – version control</a:t>
+              <a:t> – version control system </a:t>
             </a:r>
           </a:p>
           <a:p>
@@ -6851,7 +6857,7 @@
           <a:p>
             <a:r>
               <a:rPr lang="en-GB" dirty="0"/>
-              <a:t>Java – coding </a:t>
+              <a:t>Java (eclipse) – coding </a:t>
             </a:r>
           </a:p>
           <a:p>
@@ -6911,7 +6917,7 @@
         </p:nvSpPr>
         <p:spPr>
           <a:xfrm>
-            <a:off x="827689" y="254852"/>
+            <a:off x="-3203671" y="2617052"/>
             <a:ext cx="10515600" cy="1325563"/>
           </a:xfrm>
         </p:spPr>
@@ -6922,7 +6928,14 @@
             <a:pPr algn="ctr"/>
             <a:r>
               <a:rPr lang="en-US" dirty="0"/>
-              <a:t>Risk Assessment</a:t>
+              <a:t>Risk </a:t>
+            </a:r>
+            <a:br>
+              <a:rPr lang="en-US" dirty="0"/>
+            </a:br>
+            <a:r>
+              <a:rPr lang="en-US" dirty="0"/>
+              <a:t>Assessment</a:t>
             </a:r>
           </a:p>
         </p:txBody>
@@ -6951,8 +6964,8 @@
         </p:blipFill>
         <p:spPr>
           <a:xfrm>
-            <a:off x="2490788" y="2563019"/>
-            <a:ext cx="6172200" cy="3175000"/>
+            <a:off x="4421477" y="3679307"/>
+            <a:ext cx="5780904" cy="2973716"/>
           </a:xfrm>
         </p:spPr>
       </p:pic>
@@ -6978,7 +6991,7 @@
         </p:blipFill>
         <p:spPr>
           <a:xfrm>
-            <a:off x="176048" y="1281176"/>
+            <a:off x="4421477" y="167766"/>
             <a:ext cx="5780904" cy="3511541"/>
           </a:xfrm>
           <a:prstGeom prst="rect">
@@ -7043,12 +7056,8 @@
           <a:lstStyle/>
           <a:p>
             <a:r>
-              <a:rPr lang="en-US" dirty="0" err="1"/>
-              <a:t>MoSCoW</a:t>
-            </a:r>
-            <a:r>
               <a:rPr lang="en-US" dirty="0"/>
-              <a:t> </a:t>
+              <a:t>MoSCoW </a:t>
             </a:r>
             <a:br>
               <a:rPr lang="en-US" dirty="0"/>
@@ -7172,7 +7181,7 @@
         </p:blipFill>
         <p:spPr>
           <a:xfrm>
-            <a:off x="420369" y="1421859"/>
+            <a:off x="355055" y="1323887"/>
             <a:ext cx="6585341" cy="2137267"/>
           </a:xfrm>
         </p:spPr>
@@ -7258,6 +7267,7 @@
           <a:bodyPr/>
           <a:lstStyle/>
           <a:p>
+            <a:pPr algn="ctr"/>
             <a:r>
               <a:rPr lang="en-US" dirty="0"/>
               <a:t>User Stories with tasks</a:t>
@@ -7376,8 +7386,8 @@
         </p:blipFill>
         <p:spPr>
           <a:xfrm>
-            <a:off x="4145498" y="2052638"/>
-            <a:ext cx="2862780" cy="4195762"/>
+            <a:off x="8750155" y="1883062"/>
+            <a:ext cx="2862780" cy="4041609"/>
           </a:xfrm>
         </p:spPr>
       </p:pic>
@@ -7403,7 +7413,7 @@
         </p:blipFill>
         <p:spPr>
           <a:xfrm>
-            <a:off x="234406" y="1915771"/>
+            <a:off x="560977" y="1883062"/>
             <a:ext cx="7671637" cy="4041609"/>
           </a:xfrm>
           <a:prstGeom prst="rect">
@@ -7462,6 +7472,7 @@
           <a:bodyPr/>
           <a:lstStyle/>
           <a:p>
+            <a:pPr algn="ctr"/>
             <a:r>
               <a:rPr lang="en-US" dirty="0"/>
               <a:t>Kanban Board</a:t>
@@ -7471,10 +7482,10 @@
       </p:sp>
       <p:pic>
         <p:nvPicPr>
-          <p:cNvPr id="5" name="Content Placeholder 4">
+          <p:cNvPr id="7" name="Content Placeholder 6">
             <a:extLst>
               <a:ext uri="{FF2B5EF4-FFF2-40B4-BE49-F238E27FC236}">
-                <a16:creationId xmlns:a16="http://schemas.microsoft.com/office/drawing/2014/main" id="{41ED6C62-12A0-4643-BF25-C168AAC01778}"/>
+                <a16:creationId xmlns:a16="http://schemas.microsoft.com/office/drawing/2014/main" id="{BA4D5727-AA94-CE45-AB59-ED05E63A02A2}"/>
               </a:ext>
             </a:extLst>
           </p:cNvPr>
@@ -7493,8 +7504,8 @@
         </p:blipFill>
         <p:spPr>
           <a:xfrm>
-            <a:off x="1981421" y="1517840"/>
-            <a:ext cx="8229158" cy="4743529"/>
+            <a:off x="1957279" y="1489587"/>
+            <a:ext cx="8269690" cy="4773561"/>
           </a:xfrm>
         </p:spPr>
       </p:pic>

--- a/IMS Presentation.pptx
+++ b/IMS Presentation.pptx
@@ -6204,7 +6204,12 @@
             <p:ph type="title"/>
           </p:nvPr>
         </p:nvSpPr>
-        <p:spPr/>
+        <p:spPr>
+          <a:xfrm>
+            <a:off x="1103312" y="452718"/>
+            <a:ext cx="9404723" cy="1400530"/>
+          </a:xfrm>
+        </p:spPr>
         <p:txBody>
           <a:bodyPr/>
           <a:lstStyle/>
@@ -6411,7 +6416,19 @@
           <a:p>
             <a:r>
               <a:rPr lang="en-US" dirty="0"/>
-              <a:t>Unable to achieve thus far:</a:t>
+              <a:t>Unable to achieve:</a:t>
+            </a:r>
+          </a:p>
+          <a:p>
+            <a:r>
+              <a:rPr lang="en-US" dirty="0"/>
+              <a:t>Smart commits</a:t>
+            </a:r>
+          </a:p>
+          <a:p>
+            <a:r>
+              <a:rPr lang="en-US" dirty="0"/>
+              <a:t>UML</a:t>
             </a:r>
           </a:p>
           <a:p>
@@ -6421,19 +6438,19 @@
             </a:r>
           </a:p>
           <a:p>
-            <a:r>
-              <a:rPr lang="en-US" dirty="0"/>
-              <a:t>UML</a:t>
-            </a:r>
+            <a:pPr marL="0" indent="0">
+              <a:buNone/>
+            </a:pPr>
+            <a:endParaRPr lang="en-US" dirty="0"/>
           </a:p>
         </p:txBody>
       </p:sp>
       <p:pic>
         <p:nvPicPr>
-          <p:cNvPr id="5" name="Picture 4">
+          <p:cNvPr id="6" name="Picture 5">
             <a:extLst>
               <a:ext uri="{FF2B5EF4-FFF2-40B4-BE49-F238E27FC236}">
-                <a16:creationId xmlns:a16="http://schemas.microsoft.com/office/drawing/2014/main" id="{2B7ADF47-DF11-7041-98DB-35326283A05B}"/>
+                <a16:creationId xmlns:a16="http://schemas.microsoft.com/office/drawing/2014/main" id="{FA4BA20B-D3BA-9D42-AA8F-5008D569A3C1}"/>
               </a:ext>
             </a:extLst>
           </p:cNvPr>
@@ -6450,8 +6467,8 @@
         </p:blipFill>
         <p:spPr>
           <a:xfrm>
-            <a:off x="4715185" y="2186257"/>
-            <a:ext cx="7135230" cy="3759018"/>
+            <a:off x="4557250" y="2359724"/>
+            <a:ext cx="7121423" cy="3786665"/>
           </a:xfrm>
           <a:prstGeom prst="rect">
             <a:avLst/>
@@ -6509,6 +6526,7 @@
           <a:bodyPr/>
           <a:lstStyle/>
           <a:p>
+            <a:pPr algn="ctr"/>
             <a:r>
               <a:rPr lang="en-US" dirty="0"/>
               <a:t>Conclusion</a:t>
@@ -6534,12 +6552,14 @@
         </p:nvSpPr>
         <p:spPr/>
         <p:txBody>
-          <a:bodyPr/>
+          <a:bodyPr>
+            <a:normAutofit/>
+          </a:bodyPr>
           <a:lstStyle/>
           <a:p>
             <a:r>
               <a:rPr lang="en-US" dirty="0"/>
-              <a:t>As this was my first project I would conclude that it has been a success as the MVP have been met</a:t>
+              <a:t>As this was my first project I would conclude that it has been a success as the Minimum Viable Product (MVP) has been achieved.</a:t>
             </a:r>
           </a:p>
           <a:p>
@@ -6548,7 +6568,16 @@
           <a:p>
             <a:r>
               <a:rPr lang="en-US" dirty="0"/>
-              <a:t>I would improve my code so that it is more efficient and would also spend more time on testing to have coverage above 80%</a:t>
+              <a:t>I would improve my code so that it is more efficient.</a:t>
+            </a:r>
+          </a:p>
+          <a:p>
+            <a:endParaRPr lang="en-US" dirty="0"/>
+          </a:p>
+          <a:p>
+            <a:r>
+              <a:rPr lang="en-US" dirty="0"/>
+              <a:t>would also spend more time on testing to have coverage above 80%.</a:t>
             </a:r>
           </a:p>
           <a:p>
@@ -6721,7 +6750,7 @@
             <a:pPr lvl="1"/>
             <a:r>
               <a:rPr lang="en-US" dirty="0"/>
-              <a:t>ERDs &amp; UMLs showing the database relationships</a:t>
+              <a:t>ERDs &amp; UML showing the database relationships</a:t>
             </a:r>
           </a:p>
           <a:p>
@@ -6845,13 +6874,13 @@
           <a:p>
             <a:r>
               <a:rPr lang="en-GB" dirty="0"/>
-              <a:t>Jira – organise project via user stories and sprints</a:t>
+              <a:t>Jira – organise project using Kanban board via user stories, tasks and sprints</a:t>
             </a:r>
           </a:p>
           <a:p>
             <a:r>
               <a:rPr lang="en-GB" dirty="0"/>
-              <a:t>SQL – create a database</a:t>
+              <a:t>MySQL – create a database</a:t>
             </a:r>
           </a:p>
           <a:p>
@@ -6863,7 +6892,7 @@
           <a:p>
             <a:r>
               <a:rPr lang="en-GB" dirty="0"/>
-              <a:t>Maven/Junit – used for testing</a:t>
+              <a:t>Maven/Junit/Mockito – used for testing</a:t>
             </a:r>
             <a:endParaRPr lang="en-US" dirty="0"/>
           </a:p>
@@ -7467,7 +7496,12 @@
             <p:ph type="title"/>
           </p:nvPr>
         </p:nvSpPr>
-        <p:spPr/>
+        <p:spPr>
+          <a:xfrm>
+            <a:off x="822246" y="431697"/>
+            <a:ext cx="9404723" cy="1400530"/>
+          </a:xfrm>
+        </p:spPr>
         <p:txBody>
           <a:bodyPr/>
           <a:lstStyle/>
